--- a/slide/Java Script.pptx
+++ b/slide/Java Script.pptx
@@ -285,7 +285,7 @@
           <a:p>
             <a:fld id="{65753093-20CD-4DEF-8450-DB347E04CFFC}" type="datetimeFigureOut">
               <a:rPr lang="en-US" smtClean="0"/>
-              <a:t>10/15/2019</a:t>
+              <a:t>10/29/2019</a:t>
             </a:fld>
             <a:endParaRPr lang="en-US"/>
           </a:p>
@@ -455,7 +455,7 @@
           <a:p>
             <a:fld id="{65753093-20CD-4DEF-8450-DB347E04CFFC}" type="datetimeFigureOut">
               <a:rPr lang="en-US" smtClean="0"/>
-              <a:t>10/15/2019</a:t>
+              <a:t>10/29/2019</a:t>
             </a:fld>
             <a:endParaRPr lang="en-US"/>
           </a:p>
@@ -635,7 +635,7 @@
           <a:p>
             <a:fld id="{65753093-20CD-4DEF-8450-DB347E04CFFC}" type="datetimeFigureOut">
               <a:rPr lang="en-US" smtClean="0"/>
-              <a:t>10/15/2019</a:t>
+              <a:t>10/29/2019</a:t>
             </a:fld>
             <a:endParaRPr lang="en-US"/>
           </a:p>
@@ -805,7 +805,7 @@
           <a:p>
             <a:fld id="{65753093-20CD-4DEF-8450-DB347E04CFFC}" type="datetimeFigureOut">
               <a:rPr lang="en-US" smtClean="0"/>
-              <a:t>10/15/2019</a:t>
+              <a:t>10/29/2019</a:t>
             </a:fld>
             <a:endParaRPr lang="en-US"/>
           </a:p>
@@ -1051,7 +1051,7 @@
           <a:p>
             <a:fld id="{65753093-20CD-4DEF-8450-DB347E04CFFC}" type="datetimeFigureOut">
               <a:rPr lang="en-US" smtClean="0"/>
-              <a:t>10/15/2019</a:t>
+              <a:t>10/29/2019</a:t>
             </a:fld>
             <a:endParaRPr lang="en-US"/>
           </a:p>
@@ -1283,7 +1283,7 @@
           <a:p>
             <a:fld id="{65753093-20CD-4DEF-8450-DB347E04CFFC}" type="datetimeFigureOut">
               <a:rPr lang="en-US" smtClean="0"/>
-              <a:t>10/15/2019</a:t>
+              <a:t>10/29/2019</a:t>
             </a:fld>
             <a:endParaRPr lang="en-US"/>
           </a:p>
@@ -1650,7 +1650,7 @@
           <a:p>
             <a:fld id="{65753093-20CD-4DEF-8450-DB347E04CFFC}" type="datetimeFigureOut">
               <a:rPr lang="en-US" smtClean="0"/>
-              <a:t>10/15/2019</a:t>
+              <a:t>10/29/2019</a:t>
             </a:fld>
             <a:endParaRPr lang="en-US"/>
           </a:p>
@@ -1768,7 +1768,7 @@
           <a:p>
             <a:fld id="{65753093-20CD-4DEF-8450-DB347E04CFFC}" type="datetimeFigureOut">
               <a:rPr lang="en-US" smtClean="0"/>
-              <a:t>10/15/2019</a:t>
+              <a:t>10/29/2019</a:t>
             </a:fld>
             <a:endParaRPr lang="en-US"/>
           </a:p>
@@ -1863,7 +1863,7 @@
           <a:p>
             <a:fld id="{65753093-20CD-4DEF-8450-DB347E04CFFC}" type="datetimeFigureOut">
               <a:rPr lang="en-US" smtClean="0"/>
-              <a:t>10/15/2019</a:t>
+              <a:t>10/29/2019</a:t>
             </a:fld>
             <a:endParaRPr lang="en-US"/>
           </a:p>
@@ -2140,7 +2140,7 @@
           <a:p>
             <a:fld id="{65753093-20CD-4DEF-8450-DB347E04CFFC}" type="datetimeFigureOut">
               <a:rPr lang="en-US" smtClean="0"/>
-              <a:t>10/15/2019</a:t>
+              <a:t>10/29/2019</a:t>
             </a:fld>
             <a:endParaRPr lang="en-US"/>
           </a:p>
@@ -2393,7 +2393,7 @@
           <a:p>
             <a:fld id="{65753093-20CD-4DEF-8450-DB347E04CFFC}" type="datetimeFigureOut">
               <a:rPr lang="en-US" smtClean="0"/>
-              <a:t>10/15/2019</a:t>
+              <a:t>10/29/2019</a:t>
             </a:fld>
             <a:endParaRPr lang="en-US"/>
           </a:p>
@@ -2606,7 +2606,7 @@
           <a:p>
             <a:fld id="{65753093-20CD-4DEF-8450-DB347E04CFFC}" type="datetimeFigureOut">
               <a:rPr lang="en-US" smtClean="0"/>
-              <a:t>10/15/2019</a:t>
+              <a:t>10/29/2019</a:t>
             </a:fld>
             <a:endParaRPr lang="en-US"/>
           </a:p>
@@ -3063,6 +3063,13 @@
   <p:clrMapOvr>
     <a:masterClrMapping/>
   </p:clrMapOvr>
+  <p:timing>
+    <p:tnLst>
+      <p:par>
+        <p:cTn id="1" dur="indefinite" restart="never" nodeType="tmRoot"/>
+      </p:par>
+    </p:tnLst>
+  </p:timing>
 </p:sld>
 </file>
 
@@ -3241,6 +3248,13 @@
   <p:clrMapOvr>
     <a:masterClrMapping/>
   </p:clrMapOvr>
+  <p:timing>
+    <p:tnLst>
+      <p:par>
+        <p:cTn id="1" dur="indefinite" restart="never" nodeType="tmRoot"/>
+      </p:par>
+    </p:tnLst>
+  </p:timing>
 </p:sld>
 </file>
 
@@ -3366,7 +3380,6 @@
               <a:rPr lang="vi-VN" dirty="0"/>
               <a:t>Khi sử dụng document.getElementById().innerHTML, nội dung mà bạn muốn hiển thị sẽ được hiển thị bên trong một phần tử xác định.</a:t>
             </a:r>
-            <a:endParaRPr lang="vi-VN" dirty="0"/>
           </a:p>
         </p:txBody>
       </p:sp>
@@ -3380,6 +3393,13 @@
   <p:clrMapOvr>
     <a:masterClrMapping/>
   </p:clrMapOvr>
+  <p:timing>
+    <p:tnLst>
+      <p:par>
+        <p:cTn id="1" dur="indefinite" restart="never" nodeType="tmRoot"/>
+      </p:par>
+    </p:tnLst>
+  </p:timing>
 </p:sld>
 </file>
 
@@ -5067,6 +5087,13 @@
   <p:clrMapOvr>
     <a:masterClrMapping/>
   </p:clrMapOvr>
+  <p:timing>
+    <p:tnLst>
+      <p:par>
+        <p:cTn id="1" dur="indefinite" restart="never" nodeType="tmRoot"/>
+      </p:par>
+    </p:tnLst>
+  </p:timing>
 </p:sld>
 </file>
 
@@ -5244,6 +5271,13 @@
   <p:clrMapOvr>
     <a:masterClrMapping/>
   </p:clrMapOvr>
+  <p:timing>
+    <p:tnLst>
+      <p:par>
+        <p:cTn id="1" dur="indefinite" restart="never" nodeType="tmRoot"/>
+      </p:par>
+    </p:tnLst>
+  </p:timing>
 </p:sld>
 </file>
 
@@ -5319,6 +5353,13 @@
   <p:clrMapOvr>
     <a:masterClrMapping/>
   </p:clrMapOvr>
+  <p:timing>
+    <p:tnLst>
+      <p:par>
+        <p:cTn id="1" dur="indefinite" restart="never" nodeType="tmRoot"/>
+      </p:par>
+    </p:tnLst>
+  </p:timing>
 </p:sld>
 </file>
 
@@ -5421,6 +5462,13 @@
   <p:clrMapOvr>
     <a:masterClrMapping/>
   </p:clrMapOvr>
+  <p:timing>
+    <p:tnLst>
+      <p:par>
+        <p:cTn id="1" dur="indefinite" restart="never" nodeType="tmRoot"/>
+      </p:par>
+    </p:tnLst>
+  </p:timing>
 </p:sld>
 </file>
 
@@ -6219,23 +6267,15 @@
           <a:p>
             <a:r>
               <a:rPr lang="vi-VN" dirty="0" smtClean="0"/>
-              <a:t>JavaScript liên tục phát triển kể từ đó, có </a:t>
+              <a:t>JavaScript liên tục phát triển kể từ đó, có l</a:t>
+            </a:r>
+            <a:r>
+              <a:rPr lang="en-US" dirty="0"/>
+              <a:t>ú</a:t>
             </a:r>
             <a:r>
               <a:rPr lang="vi-VN" dirty="0" smtClean="0"/>
-              <a:t>l</a:t>
-            </a:r>
-            <a:r>
-              <a:rPr lang="en-US" dirty="0"/>
-              <a:t>ú</a:t>
-            </a:r>
-            <a:r>
-              <a:rPr lang="vi-VN" dirty="0" smtClean="0"/>
-              <a:t>c </a:t>
-            </a:r>
-            <a:r>
-              <a:rPr lang="vi-VN" dirty="0" smtClean="0"/>
-              <a:t>đạt đến 92% website đang sử dụng JavaScript vào năm 2016. Chỉ trong 20 năm, nó từ một ngôn ngữ lập trình riêng trở thành công cụ quan trọng nhất trên bộ công cụ của các chuyên viên lập trình web.</a:t>
+              <a:t>c đạt đến 92% website đang sử dụng JavaScript vào năm 2016. Chỉ trong 20 năm, nó từ một ngôn ngữ lập trình riêng trở thành công cụ quan trọng nhất trên bộ công cụ của các chuyên viên lập trình web.</a:t>
             </a:r>
           </a:p>
           <a:p>
@@ -6292,6 +6332,13 @@
   <p:clrMapOvr>
     <a:masterClrMapping/>
   </p:clrMapOvr>
+  <p:timing>
+    <p:tnLst>
+      <p:par>
+        <p:cTn id="1" dur="indefinite" restart="never" nodeType="tmRoot"/>
+      </p:par>
+    </p:tnLst>
+  </p:timing>
 </p:sld>
 </file>
 
@@ -6727,6 +6774,13 @@
   <p:clrMapOvr>
     <a:masterClrMapping/>
   </p:clrMapOvr>
+  <p:timing>
+    <p:tnLst>
+      <p:par>
+        <p:cTn id="1" dur="indefinite" restart="never" nodeType="tmRoot"/>
+      </p:par>
+    </p:tnLst>
+  </p:timing>
 </p:sld>
 </file>
 
@@ -6853,6 +6907,13 @@
   <p:clrMapOvr>
     <a:masterClrMapping/>
   </p:clrMapOvr>
+  <p:timing>
+    <p:tnLst>
+      <p:par>
+        <p:cTn id="1" dur="indefinite" restart="never" nodeType="tmRoot"/>
+      </p:par>
+    </p:tnLst>
+  </p:timing>
 </p:sld>
 </file>
 
@@ -6993,6 +7054,13 @@
   <p:clrMapOvr>
     <a:masterClrMapping/>
   </p:clrMapOvr>
+  <p:timing>
+    <p:tnLst>
+      <p:par>
+        <p:cTn id="1" dur="indefinite" restart="never" nodeType="tmRoot"/>
+      </p:par>
+    </p:tnLst>
+  </p:timing>
 </p:sld>
 </file>
 
@@ -7382,7 +7450,6 @@
               <a:rPr lang="en-US" b="1" dirty="0"/>
               <a:t>("selector.css");</a:t>
             </a:r>
-            <a:endParaRPr lang="en-US" b="1" dirty="0"/>
           </a:p>
           <a:p>
             <a:pPr marL="0" indent="0">
@@ -7405,6 +7472,13 @@
   <p:clrMapOvr>
     <a:masterClrMapping/>
   </p:clrMapOvr>
+  <p:timing>
+    <p:tnLst>
+      <p:par>
+        <p:cTn id="1" dur="indefinite" restart="never" nodeType="tmRoot"/>
+      </p:par>
+    </p:tnLst>
+  </p:timing>
 </p:sld>
 </file>
 
@@ -7710,6 +7784,13 @@
   <p:clrMapOvr>
     <a:masterClrMapping/>
   </p:clrMapOvr>
+  <p:timing>
+    <p:tnLst>
+      <p:par>
+        <p:cTn id="1" dur="indefinite" restart="never" nodeType="tmRoot"/>
+      </p:par>
+    </p:tnLst>
+  </p:timing>
 </p:sld>
 </file>
 
@@ -7935,6 +8016,13 @@
   <p:clrMapOvr>
     <a:masterClrMapping/>
   </p:clrMapOvr>
+  <p:timing>
+    <p:tnLst>
+      <p:par>
+        <p:cTn id="1" dur="indefinite" restart="never" nodeType="tmRoot"/>
+      </p:par>
+    </p:tnLst>
+  </p:timing>
 </p:sld>
 </file>
 
@@ -8352,6 +8440,13 @@
   <p:clrMapOvr>
     <a:masterClrMapping/>
   </p:clrMapOvr>
+  <p:timing>
+    <p:tnLst>
+      <p:par>
+        <p:cTn id="1" dur="indefinite" restart="never" nodeType="tmRoot"/>
+      </p:par>
+    </p:tnLst>
+  </p:timing>
 </p:sld>
 </file>
 
@@ -9077,6 +9172,13 @@
   <p:clrMapOvr>
     <a:masterClrMapping/>
   </p:clrMapOvr>
+  <p:timing>
+    <p:tnLst>
+      <p:par>
+        <p:cTn id="1" dur="indefinite" restart="never" nodeType="tmRoot"/>
+      </p:par>
+    </p:tnLst>
+  </p:timing>
 </p:sld>
 </file>
 
@@ -9238,6 +9340,13 @@
   <p:clrMapOvr>
     <a:masterClrMapping/>
   </p:clrMapOvr>
+  <p:timing>
+    <p:tnLst>
+      <p:par>
+        <p:cTn id="1" dur="indefinite" restart="never" nodeType="tmRoot"/>
+      </p:par>
+    </p:tnLst>
+  </p:timing>
 </p:sld>
 </file>
 
@@ -9330,6 +9439,13 @@
   <p:clrMapOvr>
     <a:masterClrMapping/>
   </p:clrMapOvr>
+  <p:timing>
+    <p:tnLst>
+      <p:par>
+        <p:cTn id="1" dur="indefinite" restart="never" nodeType="tmRoot"/>
+      </p:par>
+    </p:tnLst>
+  </p:timing>
 </p:sld>
 </file>
 
@@ -9507,6 +9623,13 @@
   <p:clrMapOvr>
     <a:masterClrMapping/>
   </p:clrMapOvr>
+  <p:timing>
+    <p:tnLst>
+      <p:par>
+        <p:cTn id="1" dur="indefinite" restart="never" nodeType="tmRoot"/>
+      </p:par>
+    </p:tnLst>
+  </p:timing>
 </p:sld>
 </file>
 

--- a/slide/Java Script.pptx
+++ b/slide/Java Script.pptx
@@ -48,6 +48,13 @@
     <p:sldId id="293" r:id="rId42"/>
     <p:sldId id="294" r:id="rId43"/>
     <p:sldId id="295" r:id="rId44"/>
+    <p:sldId id="300" r:id="rId45"/>
+    <p:sldId id="301" r:id="rId46"/>
+    <p:sldId id="299" r:id="rId47"/>
+    <p:sldId id="302" r:id="rId48"/>
+    <p:sldId id="303" r:id="rId49"/>
+    <p:sldId id="304" r:id="rId50"/>
+    <p:sldId id="305" r:id="rId51"/>
   </p:sldIdLst>
   <p:sldSz cx="12192000" cy="6858000"/>
   <p:notesSz cx="6858000" cy="9144000"/>
@@ -285,7 +292,7 @@
           <a:p>
             <a:fld id="{65753093-20CD-4DEF-8450-DB347E04CFFC}" type="datetimeFigureOut">
               <a:rPr lang="en-US" smtClean="0"/>
-              <a:t>10/29/2019</a:t>
+              <a:t>11/1/2019</a:t>
             </a:fld>
             <a:endParaRPr lang="en-US"/>
           </a:p>
@@ -455,7 +462,7 @@
           <a:p>
             <a:fld id="{65753093-20CD-4DEF-8450-DB347E04CFFC}" type="datetimeFigureOut">
               <a:rPr lang="en-US" smtClean="0"/>
-              <a:t>10/29/2019</a:t>
+              <a:t>11/1/2019</a:t>
             </a:fld>
             <a:endParaRPr lang="en-US"/>
           </a:p>
@@ -635,7 +642,7 @@
           <a:p>
             <a:fld id="{65753093-20CD-4DEF-8450-DB347E04CFFC}" type="datetimeFigureOut">
               <a:rPr lang="en-US" smtClean="0"/>
-              <a:t>10/29/2019</a:t>
+              <a:t>11/1/2019</a:t>
             </a:fld>
             <a:endParaRPr lang="en-US"/>
           </a:p>
@@ -805,7 +812,7 @@
           <a:p>
             <a:fld id="{65753093-20CD-4DEF-8450-DB347E04CFFC}" type="datetimeFigureOut">
               <a:rPr lang="en-US" smtClean="0"/>
-              <a:t>10/29/2019</a:t>
+              <a:t>11/1/2019</a:t>
             </a:fld>
             <a:endParaRPr lang="en-US"/>
           </a:p>
@@ -1051,7 +1058,7 @@
           <a:p>
             <a:fld id="{65753093-20CD-4DEF-8450-DB347E04CFFC}" type="datetimeFigureOut">
               <a:rPr lang="en-US" smtClean="0"/>
-              <a:t>10/29/2019</a:t>
+              <a:t>11/1/2019</a:t>
             </a:fld>
             <a:endParaRPr lang="en-US"/>
           </a:p>
@@ -1283,7 +1290,7 @@
           <a:p>
             <a:fld id="{65753093-20CD-4DEF-8450-DB347E04CFFC}" type="datetimeFigureOut">
               <a:rPr lang="en-US" smtClean="0"/>
-              <a:t>10/29/2019</a:t>
+              <a:t>11/1/2019</a:t>
             </a:fld>
             <a:endParaRPr lang="en-US"/>
           </a:p>
@@ -1650,7 +1657,7 @@
           <a:p>
             <a:fld id="{65753093-20CD-4DEF-8450-DB347E04CFFC}" type="datetimeFigureOut">
               <a:rPr lang="en-US" smtClean="0"/>
-              <a:t>10/29/2019</a:t>
+              <a:t>11/1/2019</a:t>
             </a:fld>
             <a:endParaRPr lang="en-US"/>
           </a:p>
@@ -1768,7 +1775,7 @@
           <a:p>
             <a:fld id="{65753093-20CD-4DEF-8450-DB347E04CFFC}" type="datetimeFigureOut">
               <a:rPr lang="en-US" smtClean="0"/>
-              <a:t>10/29/2019</a:t>
+              <a:t>11/1/2019</a:t>
             </a:fld>
             <a:endParaRPr lang="en-US"/>
           </a:p>
@@ -1863,7 +1870,7 @@
           <a:p>
             <a:fld id="{65753093-20CD-4DEF-8450-DB347E04CFFC}" type="datetimeFigureOut">
               <a:rPr lang="en-US" smtClean="0"/>
-              <a:t>10/29/2019</a:t>
+              <a:t>11/1/2019</a:t>
             </a:fld>
             <a:endParaRPr lang="en-US"/>
           </a:p>
@@ -2140,7 +2147,7 @@
           <a:p>
             <a:fld id="{65753093-20CD-4DEF-8450-DB347E04CFFC}" type="datetimeFigureOut">
               <a:rPr lang="en-US" smtClean="0"/>
-              <a:t>10/29/2019</a:t>
+              <a:t>11/1/2019</a:t>
             </a:fld>
             <a:endParaRPr lang="en-US"/>
           </a:p>
@@ -2393,7 +2400,7 @@
           <a:p>
             <a:fld id="{65753093-20CD-4DEF-8450-DB347E04CFFC}" type="datetimeFigureOut">
               <a:rPr lang="en-US" smtClean="0"/>
-              <a:t>10/29/2019</a:t>
+              <a:t>11/1/2019</a:t>
             </a:fld>
             <a:endParaRPr lang="en-US"/>
           </a:p>
@@ -2606,7 +2613,7 @@
           <a:p>
             <a:fld id="{65753093-20CD-4DEF-8450-DB347E04CFFC}" type="datetimeFigureOut">
               <a:rPr lang="en-US" smtClean="0"/>
-              <a:t>10/29/2019</a:t>
+              <a:t>11/1/2019</a:t>
             </a:fld>
             <a:endParaRPr lang="en-US"/>
           </a:p>
@@ -5609,6 +5616,13 @@
   <p:clrMapOvr>
     <a:masterClrMapping/>
   </p:clrMapOvr>
+  <p:timing>
+    <p:tnLst>
+      <p:par>
+        <p:cTn id="1" dur="indefinite" restart="never" nodeType="tmRoot"/>
+      </p:par>
+    </p:tnLst>
+  </p:timing>
 </p:sld>
 </file>
 
@@ -5754,6 +5768,13 @@
   <p:clrMapOvr>
     <a:masterClrMapping/>
   </p:clrMapOvr>
+  <p:timing>
+    <p:tnLst>
+      <p:par>
+        <p:cTn id="1" dur="indefinite" restart="never" nodeType="tmRoot"/>
+      </p:par>
+    </p:tnLst>
+  </p:timing>
 </p:sld>
 </file>
 
@@ -5874,6 +5895,13 @@
   <p:clrMapOvr>
     <a:masterClrMapping/>
   </p:clrMapOvr>
+  <p:timing>
+    <p:tnLst>
+      <p:par>
+        <p:cTn id="1" dur="indefinite" restart="never" nodeType="tmRoot"/>
+      </p:par>
+    </p:tnLst>
+  </p:timing>
 </p:sld>
 </file>
 
@@ -5981,6 +6009,13 @@
   <p:clrMapOvr>
     <a:masterClrMapping/>
   </p:clrMapOvr>
+  <p:timing>
+    <p:tnLst>
+      <p:par>
+        <p:cTn id="1" dur="indefinite" restart="never" nodeType="tmRoot"/>
+      </p:par>
+    </p:tnLst>
+  </p:timing>
 </p:sld>
 </file>
 
@@ -6092,6 +6127,13 @@
   <p:clrMapOvr>
     <a:masterClrMapping/>
   </p:clrMapOvr>
+  <p:timing>
+    <p:tnLst>
+      <p:par>
+        <p:cTn id="1" dur="indefinite" restart="never" nodeType="tmRoot"/>
+      </p:par>
+    </p:tnLst>
+  </p:timing>
 </p:sld>
 </file>
 
@@ -8279,6 +8321,13 @@
   <p:clrMapOvr>
     <a:masterClrMapping/>
   </p:clrMapOvr>
+  <p:timing>
+    <p:tnLst>
+      <p:par>
+        <p:cTn id="1" dur="indefinite" restart="never" nodeType="tmRoot"/>
+      </p:par>
+    </p:tnLst>
+  </p:timing>
 </p:sld>
 </file>
 
@@ -8624,6 +8673,13 @@
   <p:clrMapOvr>
     <a:masterClrMapping/>
   </p:clrMapOvr>
+  <p:timing>
+    <p:tnLst>
+      <p:par>
+        <p:cTn id="1" dur="indefinite" restart="never" nodeType="tmRoot"/>
+      </p:par>
+    </p:tnLst>
+  </p:timing>
 </p:sld>
 </file>
 
@@ -8792,6 +8848,13 @@
   <p:clrMapOvr>
     <a:masterClrMapping/>
   </p:clrMapOvr>
+  <p:timing>
+    <p:tnLst>
+      <p:par>
+        <p:cTn id="1" dur="indefinite" restart="never" nodeType="tmRoot"/>
+      </p:par>
+    </p:tnLst>
+  </p:timing>
 </p:sld>
 </file>
 
@@ -8903,6 +8966,13 @@
   <p:clrMapOvr>
     <a:masterClrMapping/>
   </p:clrMapOvr>
+  <p:timing>
+    <p:tnLst>
+      <p:par>
+        <p:cTn id="1" dur="indefinite" restart="never" nodeType="tmRoot"/>
+      </p:par>
+    </p:tnLst>
+  </p:timing>
 </p:sld>
 </file>
 
@@ -9036,6 +9106,1083 @@
     <p:extLst>
       <p:ext uri="{BB962C8B-B14F-4D97-AF65-F5344CB8AC3E}">
         <p14:creationId xmlns:p14="http://schemas.microsoft.com/office/powerpoint/2010/main" val="2348322662"/>
+      </p:ext>
+    </p:extLst>
+  </p:cSld>
+  <p:clrMapOvr>
+    <a:masterClrMapping/>
+  </p:clrMapOvr>
+  <p:timing>
+    <p:tnLst>
+      <p:par>
+        <p:cTn id="1" dur="indefinite" restart="never" nodeType="tmRoot"/>
+      </p:par>
+    </p:tnLst>
+  </p:timing>
+</p:sld>
+</file>
+
+<file path=ppt/slides/slide44.xml><?xml version="1.0" encoding="utf-8"?>
+<p:sld xmlns:a="http://schemas.openxmlformats.org/drawingml/2006/main" xmlns:r="http://schemas.openxmlformats.org/officeDocument/2006/relationships" xmlns:p="http://schemas.openxmlformats.org/presentationml/2006/main">
+  <p:cSld>
+    <p:spTree>
+      <p:nvGrpSpPr>
+        <p:cNvPr id="1" name=""/>
+        <p:cNvGrpSpPr/>
+        <p:nvPr/>
+      </p:nvGrpSpPr>
+      <p:grpSpPr>
+        <a:xfrm>
+          <a:off x="0" y="0"/>
+          <a:ext cx="0" cy="0"/>
+          <a:chOff x="0" y="0"/>
+          <a:chExt cx="0" cy="0"/>
+        </a:xfrm>
+      </p:grpSpPr>
+      <p:sp>
+        <p:nvSpPr>
+          <p:cNvPr id="2" name="Title 1"/>
+          <p:cNvSpPr>
+            <a:spLocks noGrp="1"/>
+          </p:cNvSpPr>
+          <p:nvPr>
+            <p:ph type="title"/>
+          </p:nvPr>
+        </p:nvSpPr>
+        <p:spPr/>
+        <p:txBody>
+          <a:bodyPr/>
+          <a:lstStyle/>
+          <a:p>
+            <a:r>
+              <a:rPr lang="en-US" dirty="0" smtClean="0"/>
+              <a:t>BOM window</a:t>
+            </a:r>
+            <a:endParaRPr lang="en-US" dirty="0"/>
+          </a:p>
+        </p:txBody>
+      </p:sp>
+      <p:sp>
+        <p:nvSpPr>
+          <p:cNvPr id="3" name="Content Placeholder 2"/>
+          <p:cNvSpPr>
+            <a:spLocks noGrp="1"/>
+          </p:cNvSpPr>
+          <p:nvPr>
+            <p:ph idx="1"/>
+          </p:nvPr>
+        </p:nvSpPr>
+        <p:spPr/>
+        <p:txBody>
+          <a:bodyPr/>
+          <a:lstStyle/>
+          <a:p>
+            <a:pPr marL="0" indent="0">
+              <a:buNone/>
+            </a:pPr>
+            <a:r>
+              <a:rPr lang="en-US" dirty="0"/>
+              <a:t>// lấy chiều </a:t>
+            </a:r>
+            <a:r>
+              <a:rPr lang="en-US" dirty="0" err="1"/>
+              <a:t>cao</a:t>
+            </a:r>
+            <a:r>
+              <a:rPr lang="en-US" dirty="0"/>
+              <a:t> </a:t>
+            </a:r>
+            <a:endParaRPr lang="en-US" dirty="0" smtClean="0"/>
+          </a:p>
+          <a:p>
+            <a:r>
+              <a:rPr lang="en-US" dirty="0" err="1" smtClean="0"/>
+              <a:t>var</a:t>
+            </a:r>
+            <a:r>
+              <a:rPr lang="en-US" dirty="0" smtClean="0"/>
+              <a:t> </a:t>
+            </a:r>
+            <a:r>
+              <a:rPr lang="en-US" dirty="0" err="1"/>
+              <a:t>heightBrowser</a:t>
+            </a:r>
+            <a:r>
+              <a:rPr lang="en-US" dirty="0"/>
+              <a:t> = </a:t>
+            </a:r>
+            <a:r>
+              <a:rPr lang="en-US" dirty="0" err="1"/>
+              <a:t>window.innerHeight</a:t>
+            </a:r>
+            <a:r>
+              <a:rPr lang="en-US" dirty="0" smtClean="0"/>
+              <a:t>;</a:t>
+            </a:r>
+          </a:p>
+          <a:p>
+            <a:pPr marL="0" indent="0">
+              <a:buNone/>
+            </a:pPr>
+            <a:r>
+              <a:rPr lang="en-US" dirty="0" smtClean="0"/>
+              <a:t> </a:t>
+            </a:r>
+            <a:r>
+              <a:rPr lang="en-US" dirty="0"/>
+              <a:t>// lấy chiều </a:t>
+            </a:r>
+            <a:r>
+              <a:rPr lang="en-US" dirty="0" err="1"/>
+              <a:t>rộng</a:t>
+            </a:r>
+            <a:r>
+              <a:rPr lang="en-US" dirty="0"/>
+              <a:t> </a:t>
+            </a:r>
+            <a:endParaRPr lang="en-US" dirty="0" smtClean="0"/>
+          </a:p>
+          <a:p>
+            <a:r>
+              <a:rPr lang="en-US" dirty="0" err="1" smtClean="0"/>
+              <a:t>var</a:t>
+            </a:r>
+            <a:r>
+              <a:rPr lang="en-US" dirty="0" smtClean="0"/>
+              <a:t> </a:t>
+            </a:r>
+            <a:r>
+              <a:rPr lang="en-US" dirty="0" err="1"/>
+              <a:t>widthBrowser</a:t>
+            </a:r>
+            <a:r>
+              <a:rPr lang="en-US" dirty="0"/>
+              <a:t> = </a:t>
+            </a:r>
+            <a:r>
+              <a:rPr lang="en-US" dirty="0" err="1"/>
+              <a:t>window.innerWidth</a:t>
+            </a:r>
+            <a:r>
+              <a:rPr lang="en-US" dirty="0" smtClean="0"/>
+              <a:t>;</a:t>
+            </a:r>
+          </a:p>
+          <a:p>
+            <a:pPr marL="0" indent="0">
+              <a:buNone/>
+            </a:pPr>
+            <a:r>
+              <a:rPr lang="vi-VN" dirty="0"/>
+              <a:t>Mở một cưa sổ với </a:t>
+            </a:r>
+            <a:r>
+              <a:rPr lang="vi-VN" dirty="0" smtClean="0"/>
+              <a:t>Cú </a:t>
+            </a:r>
+            <a:r>
+              <a:rPr lang="vi-VN" dirty="0"/>
+              <a:t>pháp: </a:t>
+            </a:r>
+            <a:endParaRPr lang="en-US" dirty="0" smtClean="0"/>
+          </a:p>
+          <a:p>
+            <a:r>
+              <a:rPr lang="vi-VN" dirty="0" smtClean="0"/>
+              <a:t>window.open(url</a:t>
+            </a:r>
+            <a:r>
+              <a:rPr lang="vi-VN" dirty="0"/>
+              <a:t>, name, options)</a:t>
+            </a:r>
+            <a:endParaRPr lang="en-US" dirty="0"/>
+          </a:p>
+        </p:txBody>
+      </p:sp>
+    </p:spTree>
+    <p:extLst>
+      <p:ext uri="{BB962C8B-B14F-4D97-AF65-F5344CB8AC3E}">
+        <p14:creationId xmlns:p14="http://schemas.microsoft.com/office/powerpoint/2010/main" val="4106309920"/>
+      </p:ext>
+    </p:extLst>
+  </p:cSld>
+  <p:clrMapOvr>
+    <a:masterClrMapping/>
+  </p:clrMapOvr>
+</p:sld>
+</file>
+
+<file path=ppt/slides/slide45.xml><?xml version="1.0" encoding="utf-8"?>
+<p:sld xmlns:a="http://schemas.openxmlformats.org/drawingml/2006/main" xmlns:r="http://schemas.openxmlformats.org/officeDocument/2006/relationships" xmlns:p="http://schemas.openxmlformats.org/presentationml/2006/main">
+  <p:cSld>
+    <p:spTree>
+      <p:nvGrpSpPr>
+        <p:cNvPr id="1" name=""/>
+        <p:cNvGrpSpPr/>
+        <p:nvPr/>
+      </p:nvGrpSpPr>
+      <p:grpSpPr>
+        <a:xfrm>
+          <a:off x="0" y="0"/>
+          <a:ext cx="0" cy="0"/>
+          <a:chOff x="0" y="0"/>
+          <a:chExt cx="0" cy="0"/>
+        </a:xfrm>
+      </p:grpSpPr>
+      <p:sp>
+        <p:nvSpPr>
+          <p:cNvPr id="2" name="Title 1"/>
+          <p:cNvSpPr>
+            <a:spLocks noGrp="1"/>
+          </p:cNvSpPr>
+          <p:nvPr>
+            <p:ph type="title"/>
+          </p:nvPr>
+        </p:nvSpPr>
+        <p:spPr/>
+        <p:txBody>
+          <a:bodyPr/>
+          <a:lstStyle/>
+          <a:p>
+            <a:r>
+              <a:rPr lang="en-US" dirty="0" smtClean="0"/>
+              <a:t>Location</a:t>
+            </a:r>
+            <a:endParaRPr lang="en-US" dirty="0"/>
+          </a:p>
+        </p:txBody>
+      </p:sp>
+      <p:sp>
+        <p:nvSpPr>
+          <p:cNvPr id="3" name="Content Placeholder 2"/>
+          <p:cNvSpPr>
+            <a:spLocks noGrp="1"/>
+          </p:cNvSpPr>
+          <p:nvPr>
+            <p:ph idx="1"/>
+          </p:nvPr>
+        </p:nvSpPr>
+        <p:spPr/>
+        <p:txBody>
+          <a:bodyPr>
+            <a:normAutofit fontScale="77500" lnSpcReduction="20000"/>
+          </a:bodyPr>
+          <a:lstStyle/>
+          <a:p>
+            <a:r>
+              <a:rPr lang="en-US" b="1" dirty="0" err="1"/>
+              <a:t>window.location.reload</a:t>
+            </a:r>
+            <a:r>
+              <a:rPr lang="en-US" b="1" dirty="0"/>
+              <a:t>(</a:t>
+            </a:r>
+            <a:r>
+              <a:rPr lang="en-US" b="1" dirty="0" err="1"/>
+              <a:t>url</a:t>
+            </a:r>
+            <a:r>
+              <a:rPr lang="en-US" b="1" dirty="0"/>
+              <a:t>) - </a:t>
+            </a:r>
+            <a:r>
+              <a:rPr lang="en-US" b="1" dirty="0" err="1"/>
+              <a:t>tải</a:t>
+            </a:r>
+            <a:r>
+              <a:rPr lang="en-US" b="1" dirty="0"/>
+              <a:t> lại </a:t>
+            </a:r>
+            <a:r>
+              <a:rPr lang="en-US" b="1" dirty="0" err="1"/>
+              <a:t>trang</a:t>
+            </a:r>
+            <a:r>
+              <a:rPr lang="en-US" b="1" dirty="0"/>
+              <a:t> web</a:t>
+            </a:r>
+          </a:p>
+          <a:p>
+            <a:r>
+              <a:rPr lang="en-US" b="1" dirty="0" err="1"/>
+              <a:t>window.location.replace</a:t>
+            </a:r>
+            <a:r>
+              <a:rPr lang="en-US" b="1" dirty="0"/>
+              <a:t>(</a:t>
+            </a:r>
+            <a:r>
+              <a:rPr lang="en-US" b="1" dirty="0" err="1"/>
+              <a:t>urr</a:t>
+            </a:r>
+            <a:r>
+              <a:rPr lang="en-US" b="1" dirty="0"/>
+              <a:t>) - ghi </a:t>
+            </a:r>
+            <a:r>
+              <a:rPr lang="en-US" b="1" dirty="0" err="1"/>
+              <a:t>đè</a:t>
+            </a:r>
+            <a:r>
+              <a:rPr lang="en-US" b="1" dirty="0"/>
+              <a:t> </a:t>
+            </a:r>
+            <a:r>
+              <a:rPr lang="en-US" b="1" dirty="0" err="1"/>
+              <a:t>trang</a:t>
+            </a:r>
+            <a:r>
+              <a:rPr lang="en-US" b="1" dirty="0"/>
+              <a:t> web</a:t>
+            </a:r>
+          </a:p>
+          <a:p>
+            <a:r>
+              <a:rPr lang="en-US" dirty="0" err="1"/>
+              <a:t>window.location.href</a:t>
+            </a:r>
+            <a:r>
+              <a:rPr lang="en-US" dirty="0"/>
+              <a:t>="</a:t>
+            </a:r>
+            <a:r>
+              <a:rPr lang="en-US" dirty="0" err="1" smtClean="0"/>
+              <a:t>url</a:t>
+            </a:r>
+            <a:r>
+              <a:rPr lang="en-US" dirty="0" smtClean="0"/>
+              <a:t>“</a:t>
+            </a:r>
+          </a:p>
+          <a:p>
+            <a:r>
+              <a:rPr lang="vi-VN" dirty="0"/>
+              <a:t>danh sách các thuộc tính đầy đủ cho đối tượng location này: hash: thiết lập hoặc lấy phần sau dấu # của </a:t>
+            </a:r>
+            <a:r>
+              <a:rPr lang="vi-VN" dirty="0" smtClean="0"/>
+              <a:t>URL</a:t>
+            </a:r>
+            <a:endParaRPr lang="en-US" dirty="0" smtClean="0"/>
+          </a:p>
+          <a:p>
+            <a:pPr marL="0" indent="0">
+              <a:buNone/>
+            </a:pPr>
+            <a:r>
+              <a:rPr lang="vi-VN" dirty="0" smtClean="0"/>
+              <a:t>host</a:t>
+            </a:r>
+            <a:r>
+              <a:rPr lang="vi-VN" dirty="0"/>
+              <a:t>: thiết lập hoặc lấy hostname và port number của URL </a:t>
+            </a:r>
+            <a:endParaRPr lang="en-US" dirty="0" smtClean="0"/>
+          </a:p>
+          <a:p>
+            <a:pPr marL="0" indent="0">
+              <a:buNone/>
+            </a:pPr>
+            <a:r>
+              <a:rPr lang="vi-VN" dirty="0" smtClean="0"/>
+              <a:t>hostname</a:t>
+            </a:r>
+            <a:r>
+              <a:rPr lang="vi-VN" dirty="0"/>
+              <a:t>: thiết lập hoặc lấy hostname </a:t>
+            </a:r>
+            <a:endParaRPr lang="en-US" dirty="0" smtClean="0"/>
+          </a:p>
+          <a:p>
+            <a:pPr marL="0" indent="0">
+              <a:buNone/>
+            </a:pPr>
+            <a:r>
+              <a:rPr lang="vi-VN" dirty="0" smtClean="0"/>
+              <a:t>href</a:t>
+            </a:r>
+            <a:r>
+              <a:rPr lang="vi-VN" dirty="0"/>
+              <a:t>: thiết lập hoặc lấy URL </a:t>
+            </a:r>
+            <a:endParaRPr lang="en-US" dirty="0" smtClean="0"/>
+          </a:p>
+          <a:p>
+            <a:pPr marL="0" indent="0">
+              <a:buNone/>
+            </a:pPr>
+            <a:r>
+              <a:rPr lang="vi-VN" dirty="0" smtClean="0"/>
+              <a:t>origin</a:t>
+            </a:r>
+            <a:r>
+              <a:rPr lang="vi-VN" dirty="0"/>
+              <a:t>: trả về protocal, hostname và port number của URL </a:t>
+            </a:r>
+            <a:endParaRPr lang="en-US" dirty="0" smtClean="0"/>
+          </a:p>
+          <a:p>
+            <a:pPr marL="0" indent="0">
+              <a:buNone/>
+            </a:pPr>
+            <a:r>
+              <a:rPr lang="vi-VN" dirty="0" smtClean="0"/>
+              <a:t>pathname</a:t>
+            </a:r>
+            <a:r>
+              <a:rPr lang="vi-VN" dirty="0"/>
+              <a:t>: thiết lập hoặc lấy path name của URL </a:t>
+            </a:r>
+            <a:endParaRPr lang="en-US" dirty="0" smtClean="0"/>
+          </a:p>
+          <a:p>
+            <a:pPr marL="0" indent="0">
+              <a:buNone/>
+            </a:pPr>
+            <a:r>
+              <a:rPr lang="vi-VN" dirty="0" smtClean="0"/>
+              <a:t>port</a:t>
+            </a:r>
+            <a:r>
+              <a:rPr lang="vi-VN" dirty="0"/>
+              <a:t>: thiết lập hoặc lấy port của URL </a:t>
+            </a:r>
+            <a:endParaRPr lang="en-US" dirty="0" smtClean="0"/>
+          </a:p>
+          <a:p>
+            <a:pPr marL="0" indent="0">
+              <a:buNone/>
+            </a:pPr>
+            <a:r>
+              <a:rPr lang="vi-VN" dirty="0" smtClean="0"/>
+              <a:t>search</a:t>
+            </a:r>
+            <a:r>
+              <a:rPr lang="vi-VN" dirty="0"/>
+              <a:t>: lấy phần query string của URL</a:t>
+            </a:r>
+            <a:endParaRPr lang="en-US" dirty="0"/>
+          </a:p>
+        </p:txBody>
+      </p:sp>
+    </p:spTree>
+    <p:extLst>
+      <p:ext uri="{BB962C8B-B14F-4D97-AF65-F5344CB8AC3E}">
+        <p14:creationId xmlns:p14="http://schemas.microsoft.com/office/powerpoint/2010/main" val="2653757072"/>
+      </p:ext>
+    </p:extLst>
+  </p:cSld>
+  <p:clrMapOvr>
+    <a:masterClrMapping/>
+  </p:clrMapOvr>
+</p:sld>
+</file>
+
+<file path=ppt/slides/slide46.xml><?xml version="1.0" encoding="utf-8"?>
+<p:sld xmlns:a="http://schemas.openxmlformats.org/drawingml/2006/main" xmlns:r="http://schemas.openxmlformats.org/officeDocument/2006/relationships" xmlns:p="http://schemas.openxmlformats.org/presentationml/2006/main">
+  <p:cSld>
+    <p:spTree>
+      <p:nvGrpSpPr>
+        <p:cNvPr id="1" name=""/>
+        <p:cNvGrpSpPr/>
+        <p:nvPr/>
+      </p:nvGrpSpPr>
+      <p:grpSpPr>
+        <a:xfrm>
+          <a:off x="0" y="0"/>
+          <a:ext cx="0" cy="0"/>
+          <a:chOff x="0" y="0"/>
+          <a:chExt cx="0" cy="0"/>
+        </a:xfrm>
+      </p:grpSpPr>
+      <p:sp>
+        <p:nvSpPr>
+          <p:cNvPr id="2" name="Title 1"/>
+          <p:cNvSpPr>
+            <a:spLocks noGrp="1"/>
+          </p:cNvSpPr>
+          <p:nvPr>
+            <p:ph type="title"/>
+          </p:nvPr>
+        </p:nvSpPr>
+        <p:spPr/>
+        <p:txBody>
+          <a:bodyPr/>
+          <a:lstStyle/>
+          <a:p>
+            <a:r>
+              <a:rPr lang="en-US" dirty="0" smtClean="0"/>
+              <a:t>History</a:t>
+            </a:r>
+            <a:endParaRPr lang="en-US" dirty="0"/>
+          </a:p>
+        </p:txBody>
+      </p:sp>
+      <p:sp>
+        <p:nvSpPr>
+          <p:cNvPr id="3" name="Content Placeholder 2"/>
+          <p:cNvSpPr>
+            <a:spLocks noGrp="1"/>
+          </p:cNvSpPr>
+          <p:nvPr>
+            <p:ph idx="1"/>
+          </p:nvPr>
+        </p:nvSpPr>
+        <p:spPr/>
+        <p:txBody>
+          <a:bodyPr/>
+          <a:lstStyle/>
+          <a:p>
+            <a:r>
+              <a:rPr lang="vi-VN" b="1" dirty="0"/>
+              <a:t>Đếm tổng số trang đã lưu trong </a:t>
+            </a:r>
+            <a:r>
+              <a:rPr lang="vi-VN" b="1" dirty="0" smtClean="0"/>
+              <a:t>history</a:t>
+            </a:r>
+            <a:r>
+              <a:rPr lang="en-US" b="1" dirty="0" smtClean="0"/>
+              <a:t>: </a:t>
+            </a:r>
+            <a:r>
+              <a:rPr lang="en-US" dirty="0" err="1"/>
+              <a:t>window.history.length</a:t>
+            </a:r>
+            <a:endParaRPr lang="vi-VN" b="1" dirty="0"/>
+          </a:p>
+          <a:p>
+            <a:r>
+              <a:rPr lang="vi-VN" dirty="0"/>
+              <a:t>history.back() : trở lại trang trước </a:t>
+            </a:r>
+            <a:endParaRPr lang="en-US" dirty="0" smtClean="0"/>
+          </a:p>
+          <a:p>
+            <a:r>
+              <a:rPr lang="vi-VN" dirty="0" smtClean="0"/>
+              <a:t>history.forward</a:t>
+            </a:r>
+            <a:r>
+              <a:rPr lang="vi-VN" dirty="0"/>
+              <a:t>() : đi tới trang kế tiếp </a:t>
+            </a:r>
+            <a:endParaRPr lang="en-US" dirty="0" smtClean="0"/>
+          </a:p>
+          <a:p>
+            <a:r>
+              <a:rPr lang="vi-VN" dirty="0" smtClean="0"/>
+              <a:t>history.go(number</a:t>
+            </a:r>
+            <a:r>
+              <a:rPr lang="vi-VN" dirty="0"/>
+              <a:t>): đi tới một trang:</a:t>
+            </a:r>
+            <a:endParaRPr lang="en-US" dirty="0"/>
+          </a:p>
+        </p:txBody>
+      </p:sp>
+    </p:spTree>
+    <p:extLst>
+      <p:ext uri="{BB962C8B-B14F-4D97-AF65-F5344CB8AC3E}">
+        <p14:creationId xmlns:p14="http://schemas.microsoft.com/office/powerpoint/2010/main" val="1489572994"/>
+      </p:ext>
+    </p:extLst>
+  </p:cSld>
+  <p:clrMapOvr>
+    <a:masterClrMapping/>
+  </p:clrMapOvr>
+</p:sld>
+</file>
+
+<file path=ppt/slides/slide47.xml><?xml version="1.0" encoding="utf-8"?>
+<p:sld xmlns:a="http://schemas.openxmlformats.org/drawingml/2006/main" xmlns:r="http://schemas.openxmlformats.org/officeDocument/2006/relationships" xmlns:p="http://schemas.openxmlformats.org/presentationml/2006/main">
+  <p:cSld>
+    <p:spTree>
+      <p:nvGrpSpPr>
+        <p:cNvPr id="1" name=""/>
+        <p:cNvGrpSpPr/>
+        <p:nvPr/>
+      </p:nvGrpSpPr>
+      <p:grpSpPr>
+        <a:xfrm>
+          <a:off x="0" y="0"/>
+          <a:ext cx="0" cy="0"/>
+          <a:chOff x="0" y="0"/>
+          <a:chExt cx="0" cy="0"/>
+        </a:xfrm>
+      </p:grpSpPr>
+      <p:sp>
+        <p:nvSpPr>
+          <p:cNvPr id="2" name="Title 1"/>
+          <p:cNvSpPr>
+            <a:spLocks noGrp="1"/>
+          </p:cNvSpPr>
+          <p:nvPr>
+            <p:ph type="title"/>
+          </p:nvPr>
+        </p:nvSpPr>
+        <p:spPr/>
+        <p:txBody>
+          <a:bodyPr/>
+          <a:lstStyle/>
+          <a:p>
+            <a:r>
+              <a:rPr lang="en-US" dirty="0" smtClean="0"/>
+              <a:t>Cookie</a:t>
+            </a:r>
+            <a:endParaRPr lang="en-US" dirty="0"/>
+          </a:p>
+        </p:txBody>
+      </p:sp>
+      <p:sp>
+        <p:nvSpPr>
+          <p:cNvPr id="3" name="Content Placeholder 2"/>
+          <p:cNvSpPr>
+            <a:spLocks noGrp="1"/>
+          </p:cNvSpPr>
+          <p:nvPr>
+            <p:ph idx="1"/>
+          </p:nvPr>
+        </p:nvSpPr>
+        <p:spPr/>
+        <p:txBody>
+          <a:bodyPr/>
+          <a:lstStyle/>
+          <a:p>
+            <a:pPr marL="0" indent="0">
+              <a:buNone/>
+            </a:pPr>
+            <a:r>
+              <a:rPr lang="vi-VN" dirty="0"/>
+              <a:t>Tạo Cookie </a:t>
+            </a:r>
+            <a:endParaRPr lang="en-US" dirty="0" smtClean="0"/>
+          </a:p>
+          <a:p>
+            <a:pPr marL="0" indent="0">
+              <a:buNone/>
+            </a:pPr>
+            <a:r>
+              <a:rPr lang="en-US" dirty="0" smtClean="0"/>
+              <a:t>- </a:t>
+            </a:r>
+            <a:r>
+              <a:rPr lang="vi-VN" dirty="0" smtClean="0"/>
+              <a:t>Cookie </a:t>
+            </a:r>
+            <a:r>
+              <a:rPr lang="vi-VN" dirty="0"/>
+              <a:t>được lưu trữ ở dạng </a:t>
+            </a:r>
+            <a:r>
+              <a:rPr lang="en-US" dirty="0" smtClean="0"/>
+              <a:t>: </a:t>
+            </a:r>
+            <a:r>
+              <a:rPr lang="vi-VN" dirty="0" smtClean="0"/>
+              <a:t>name=value.</a:t>
+            </a:r>
+            <a:endParaRPr lang="en-US" dirty="0" smtClean="0"/>
+          </a:p>
+          <a:p>
+            <a:r>
+              <a:rPr lang="en-US" dirty="0" err="1"/>
+              <a:t>document.cookie</a:t>
+            </a:r>
+            <a:r>
+              <a:rPr lang="en-US" dirty="0"/>
+              <a:t> = </a:t>
+            </a:r>
+            <a:r>
+              <a:rPr lang="en-US" dirty="0" smtClean="0"/>
+              <a:t>‘username=</a:t>
+            </a:r>
+            <a:r>
+              <a:rPr lang="en-US" dirty="0" err="1" smtClean="0"/>
+              <a:t>hiep</a:t>
+            </a:r>
+            <a:r>
+              <a:rPr lang="en-US" dirty="0" smtClean="0"/>
+              <a:t>';</a:t>
+            </a:r>
+          </a:p>
+          <a:p>
+            <a:r>
+              <a:rPr lang="en-US" dirty="0" err="1"/>
+              <a:t>document.cookie</a:t>
+            </a:r>
+            <a:r>
+              <a:rPr lang="en-US" dirty="0"/>
+              <a:t> = "</a:t>
+            </a:r>
+            <a:r>
+              <a:rPr lang="en-US" dirty="0" smtClean="0"/>
+              <a:t>username=</a:t>
+            </a:r>
+            <a:r>
+              <a:rPr lang="en-US" dirty="0" err="1" smtClean="0"/>
+              <a:t>hiep</a:t>
+            </a:r>
+            <a:r>
+              <a:rPr lang="en-US" dirty="0" smtClean="0"/>
+              <a:t>; </a:t>
+            </a:r>
+            <a:r>
+              <a:rPr lang="en-US" dirty="0"/>
+              <a:t>expires=Thu, 18 Dec </a:t>
+            </a:r>
+            <a:r>
+              <a:rPr lang="en-US" dirty="0" smtClean="0"/>
+              <a:t>2019 </a:t>
+            </a:r>
+            <a:r>
+              <a:rPr lang="en-US" dirty="0"/>
+              <a:t>12:00:00 UTC";</a:t>
+            </a:r>
+            <a:endParaRPr lang="en-US" dirty="0"/>
+          </a:p>
+        </p:txBody>
+      </p:sp>
+    </p:spTree>
+    <p:extLst>
+      <p:ext uri="{BB962C8B-B14F-4D97-AF65-F5344CB8AC3E}">
+        <p14:creationId xmlns:p14="http://schemas.microsoft.com/office/powerpoint/2010/main" val="4167295247"/>
+      </p:ext>
+    </p:extLst>
+  </p:cSld>
+  <p:clrMapOvr>
+    <a:masterClrMapping/>
+  </p:clrMapOvr>
+</p:sld>
+</file>
+
+<file path=ppt/slides/slide48.xml><?xml version="1.0" encoding="utf-8"?>
+<p:sld xmlns:a="http://schemas.openxmlformats.org/drawingml/2006/main" xmlns:r="http://schemas.openxmlformats.org/officeDocument/2006/relationships" xmlns:p="http://schemas.openxmlformats.org/presentationml/2006/main">
+  <p:cSld>
+    <p:spTree>
+      <p:nvGrpSpPr>
+        <p:cNvPr id="1" name=""/>
+        <p:cNvGrpSpPr/>
+        <p:nvPr/>
+      </p:nvGrpSpPr>
+      <p:grpSpPr>
+        <a:xfrm>
+          <a:off x="0" y="0"/>
+          <a:ext cx="0" cy="0"/>
+          <a:chOff x="0" y="0"/>
+          <a:chExt cx="0" cy="0"/>
+        </a:xfrm>
+      </p:grpSpPr>
+      <p:sp>
+        <p:nvSpPr>
+          <p:cNvPr id="2" name="Title 1"/>
+          <p:cNvSpPr>
+            <a:spLocks noGrp="1"/>
+          </p:cNvSpPr>
+          <p:nvPr>
+            <p:ph type="title"/>
+          </p:nvPr>
+        </p:nvSpPr>
+        <p:spPr/>
+        <p:txBody>
+          <a:bodyPr/>
+          <a:lstStyle/>
+          <a:p>
+            <a:r>
+              <a:rPr lang="en-US" dirty="0" smtClean="0"/>
+              <a:t>Navigator</a:t>
+            </a:r>
+            <a:endParaRPr lang="en-US" dirty="0"/>
+          </a:p>
+        </p:txBody>
+      </p:sp>
+      <p:sp>
+        <p:nvSpPr>
+          <p:cNvPr id="3" name="Content Placeholder 2"/>
+          <p:cNvSpPr>
+            <a:spLocks noGrp="1"/>
+          </p:cNvSpPr>
+          <p:nvPr>
+            <p:ph idx="1"/>
+          </p:nvPr>
+        </p:nvSpPr>
+        <p:spPr/>
+        <p:txBody>
+          <a:bodyPr/>
+          <a:lstStyle/>
+          <a:p>
+            <a:r>
+              <a:rPr lang="en-US" dirty="0" err="1" smtClean="0"/>
+              <a:t>Ngôn</a:t>
+            </a:r>
+            <a:r>
+              <a:rPr lang="en-US" dirty="0" smtClean="0"/>
+              <a:t> </a:t>
+            </a:r>
+            <a:r>
+              <a:rPr lang="en-US" dirty="0" err="1" smtClean="0"/>
+              <a:t>ngữ</a:t>
+            </a:r>
+            <a:r>
+              <a:rPr lang="en-US" dirty="0" smtClean="0"/>
+              <a:t> </a:t>
+            </a:r>
+            <a:r>
+              <a:rPr lang="en-US" dirty="0"/>
+              <a:t>Browser: </a:t>
+            </a:r>
+            <a:r>
+              <a:rPr lang="en-US" dirty="0" smtClean="0"/>
+              <a:t> </a:t>
+            </a:r>
+            <a:r>
+              <a:rPr lang="en-US" dirty="0" err="1" smtClean="0"/>
+              <a:t>navigator.language</a:t>
+            </a:r>
+            <a:endParaRPr lang="en-US" dirty="0" smtClean="0"/>
+          </a:p>
+          <a:p>
+            <a:r>
+              <a:rPr lang="en-US" dirty="0" smtClean="0"/>
+              <a:t>Check </a:t>
+            </a:r>
+            <a:r>
+              <a:rPr lang="en-US" dirty="0"/>
+              <a:t>version browser : </a:t>
+            </a:r>
+            <a:r>
+              <a:rPr lang="en-US" dirty="0" err="1" smtClean="0"/>
+              <a:t>navigator.userAgent</a:t>
+            </a:r>
+            <a:r>
+              <a:rPr lang="en-US" dirty="0" smtClean="0"/>
+              <a:t> ;</a:t>
+            </a:r>
+          </a:p>
+          <a:p>
+            <a:r>
+              <a:rPr lang="en-US" dirty="0" smtClean="0"/>
+              <a:t>Check hệ </a:t>
+            </a:r>
+            <a:r>
+              <a:rPr lang="en-US" dirty="0" err="1" smtClean="0"/>
+              <a:t>điều</a:t>
+            </a:r>
+            <a:r>
+              <a:rPr lang="en-US" dirty="0" smtClean="0"/>
+              <a:t> </a:t>
+            </a:r>
+            <a:r>
+              <a:rPr lang="en-US" dirty="0" err="1" smtClean="0"/>
+              <a:t>hành</a:t>
+            </a:r>
+            <a:r>
+              <a:rPr lang="en-US" dirty="0" smtClean="0"/>
+              <a:t> : </a:t>
+            </a:r>
+            <a:r>
+              <a:rPr lang="en-US" dirty="0" err="1" smtClean="0"/>
+              <a:t>navigator.platform</a:t>
+            </a:r>
+            <a:r>
+              <a:rPr lang="en-US" dirty="0" smtClean="0"/>
+              <a:t>;</a:t>
+            </a:r>
+          </a:p>
+          <a:p>
+            <a:r>
+              <a:rPr lang="en-US" dirty="0" err="1" smtClean="0"/>
+              <a:t>navigator.appName</a:t>
+            </a:r>
+            <a:r>
+              <a:rPr lang="en-US" dirty="0" smtClean="0"/>
+              <a:t>;</a:t>
+            </a:r>
+          </a:p>
+          <a:p>
+            <a:r>
+              <a:rPr lang="en-US" dirty="0" err="1" smtClean="0"/>
+              <a:t>navigator.appCodeName</a:t>
+            </a:r>
+            <a:r>
+              <a:rPr lang="en-US" dirty="0" smtClean="0"/>
+              <a:t>;</a:t>
+            </a:r>
+          </a:p>
+          <a:p>
+            <a:endParaRPr lang="en-US" dirty="0"/>
+          </a:p>
+        </p:txBody>
+      </p:sp>
+    </p:spTree>
+    <p:extLst>
+      <p:ext uri="{BB962C8B-B14F-4D97-AF65-F5344CB8AC3E}">
+        <p14:creationId xmlns:p14="http://schemas.microsoft.com/office/powerpoint/2010/main" val="1122354765"/>
+      </p:ext>
+    </p:extLst>
+  </p:cSld>
+  <p:clrMapOvr>
+    <a:masterClrMapping/>
+  </p:clrMapOvr>
+</p:sld>
+</file>
+
+<file path=ppt/slides/slide49.xml><?xml version="1.0" encoding="utf-8"?>
+<p:sld xmlns:a="http://schemas.openxmlformats.org/drawingml/2006/main" xmlns:r="http://schemas.openxmlformats.org/officeDocument/2006/relationships" xmlns:p="http://schemas.openxmlformats.org/presentationml/2006/main">
+  <p:cSld>
+    <p:spTree>
+      <p:nvGrpSpPr>
+        <p:cNvPr id="1" name=""/>
+        <p:cNvGrpSpPr/>
+        <p:nvPr/>
+      </p:nvGrpSpPr>
+      <p:grpSpPr>
+        <a:xfrm>
+          <a:off x="0" y="0"/>
+          <a:ext cx="0" cy="0"/>
+          <a:chOff x="0" y="0"/>
+          <a:chExt cx="0" cy="0"/>
+        </a:xfrm>
+      </p:grpSpPr>
+      <p:sp>
+        <p:nvSpPr>
+          <p:cNvPr id="2" name="Title 1"/>
+          <p:cNvSpPr>
+            <a:spLocks noGrp="1"/>
+          </p:cNvSpPr>
+          <p:nvPr>
+            <p:ph type="title"/>
+          </p:nvPr>
+        </p:nvSpPr>
+        <p:spPr/>
+        <p:txBody>
+          <a:bodyPr>
+            <a:normAutofit fontScale="90000"/>
+          </a:bodyPr>
+          <a:lstStyle/>
+          <a:p>
+            <a:r>
+              <a:rPr lang="en-US" b="1" dirty="0" err="1"/>
+              <a:t>Thêm</a:t>
+            </a:r>
+            <a:r>
+              <a:rPr lang="en-US" b="1" dirty="0"/>
+              <a:t> </a:t>
+            </a:r>
+            <a:r>
+              <a:rPr lang="en-US" b="1" dirty="0" err="1"/>
+              <a:t>sự</a:t>
+            </a:r>
+            <a:r>
+              <a:rPr lang="en-US" b="1" dirty="0"/>
+              <a:t> </a:t>
+            </a:r>
+            <a:r>
+              <a:rPr lang="en-US" b="1" dirty="0" err="1"/>
+              <a:t>kiện</a:t>
+            </a:r>
+            <a:r>
+              <a:rPr lang="en-US" b="1" dirty="0"/>
+              <a:t> </a:t>
+            </a:r>
+            <a:r>
+              <a:rPr lang="en-US" b="1" dirty="0" err="1"/>
+              <a:t>cho</a:t>
+            </a:r>
+            <a:r>
+              <a:rPr lang="en-US" b="1" dirty="0"/>
+              <a:t> </a:t>
+            </a:r>
+            <a:r>
+              <a:rPr lang="en-US" b="1" dirty="0" err="1"/>
+              <a:t>một</a:t>
+            </a:r>
+            <a:r>
+              <a:rPr lang="en-US" b="1" dirty="0"/>
+              <a:t> </a:t>
+            </a:r>
+            <a:r>
+              <a:rPr lang="en-US" b="1" dirty="0" err="1"/>
+              <a:t>thẻ</a:t>
+            </a:r>
+            <a:r>
+              <a:rPr lang="en-US" b="1" dirty="0"/>
+              <a:t> HTML </a:t>
+            </a:r>
+            <a:r>
+              <a:rPr lang="en-US" b="1" dirty="0" err="1"/>
+              <a:t>bằng</a:t>
+            </a:r>
+            <a:r>
+              <a:rPr lang="en-US" b="1" dirty="0"/>
+              <a:t> </a:t>
+            </a:r>
+            <a:r>
+              <a:rPr lang="en-US" b="1" dirty="0" err="1"/>
+              <a:t>javascript</a:t>
+            </a:r>
+            <a:r>
+              <a:rPr lang="en-US" b="1" dirty="0"/>
+              <a:t/>
+            </a:r>
+            <a:br>
+              <a:rPr lang="en-US" b="1" dirty="0"/>
+            </a:br>
+            <a:endParaRPr lang="en-US" dirty="0"/>
+          </a:p>
+        </p:txBody>
+      </p:sp>
+      <p:sp>
+        <p:nvSpPr>
+          <p:cNvPr id="3" name="Content Placeholder 2"/>
+          <p:cNvSpPr>
+            <a:spLocks noGrp="1"/>
+          </p:cNvSpPr>
+          <p:nvPr>
+            <p:ph idx="1"/>
+          </p:nvPr>
+        </p:nvSpPr>
+        <p:spPr/>
+        <p:txBody>
+          <a:bodyPr/>
+          <a:lstStyle/>
+          <a:p>
+            <a:pPr marL="0" indent="0">
+              <a:buNone/>
+            </a:pPr>
+            <a:endParaRPr lang="en-US" dirty="0"/>
+          </a:p>
+        </p:txBody>
+      </p:sp>
+      <p:pic>
+        <p:nvPicPr>
+          <p:cNvPr id="4" name="Picture 3"/>
+          <p:cNvPicPr>
+            <a:picLocks noChangeAspect="1"/>
+          </p:cNvPicPr>
+          <p:nvPr/>
+        </p:nvPicPr>
+        <p:blipFill>
+          <a:blip r:embed="rId2"/>
+          <a:stretch>
+            <a:fillRect/>
+          </a:stretch>
+        </p:blipFill>
+        <p:spPr>
+          <a:xfrm>
+            <a:off x="2306308" y="1969967"/>
+            <a:ext cx="6457950" cy="3590925"/>
+          </a:xfrm>
+          <a:prstGeom prst="rect">
+            <a:avLst/>
+          </a:prstGeom>
+        </p:spPr>
+      </p:pic>
+    </p:spTree>
+    <p:extLst>
+      <p:ext uri="{BB962C8B-B14F-4D97-AF65-F5344CB8AC3E}">
+        <p14:creationId xmlns:p14="http://schemas.microsoft.com/office/powerpoint/2010/main" val="1279593218"/>
       </p:ext>
     </p:extLst>
   </p:cSld>
@@ -9179,6 +10326,74 @@
       </p:par>
     </p:tnLst>
   </p:timing>
+</p:sld>
+</file>
+
+<file path=ppt/slides/slide50.xml><?xml version="1.0" encoding="utf-8"?>
+<p:sld xmlns:a="http://schemas.openxmlformats.org/drawingml/2006/main" xmlns:r="http://schemas.openxmlformats.org/officeDocument/2006/relationships" xmlns:p="http://schemas.openxmlformats.org/presentationml/2006/main">
+  <p:cSld>
+    <p:spTree>
+      <p:nvGrpSpPr>
+        <p:cNvPr id="1" name=""/>
+        <p:cNvGrpSpPr/>
+        <p:nvPr/>
+      </p:nvGrpSpPr>
+      <p:grpSpPr>
+        <a:xfrm>
+          <a:off x="0" y="0"/>
+          <a:ext cx="0" cy="0"/>
+          <a:chOff x="0" y="0"/>
+          <a:chExt cx="0" cy="0"/>
+        </a:xfrm>
+      </p:grpSpPr>
+      <p:sp>
+        <p:nvSpPr>
+          <p:cNvPr id="2" name="Title 1"/>
+          <p:cNvSpPr>
+            <a:spLocks noGrp="1"/>
+          </p:cNvSpPr>
+          <p:nvPr>
+            <p:ph type="title"/>
+          </p:nvPr>
+        </p:nvSpPr>
+        <p:spPr/>
+        <p:txBody>
+          <a:bodyPr/>
+          <a:lstStyle/>
+          <a:p>
+            <a:endParaRPr lang="en-US"/>
+          </a:p>
+        </p:txBody>
+      </p:sp>
+      <p:sp>
+        <p:nvSpPr>
+          <p:cNvPr id="3" name="Content Placeholder 2"/>
+          <p:cNvSpPr>
+            <a:spLocks noGrp="1"/>
+          </p:cNvSpPr>
+          <p:nvPr>
+            <p:ph idx="1"/>
+          </p:nvPr>
+        </p:nvSpPr>
+        <p:spPr/>
+        <p:txBody>
+          <a:bodyPr/>
+          <a:lstStyle/>
+          <a:p>
+            <a:endParaRPr lang="en-US"/>
+          </a:p>
+        </p:txBody>
+      </p:sp>
+    </p:spTree>
+    <p:extLst>
+      <p:ext uri="{BB962C8B-B14F-4D97-AF65-F5344CB8AC3E}">
+        <p14:creationId xmlns:p14="http://schemas.microsoft.com/office/powerpoint/2010/main" val="3259250877"/>
+      </p:ext>
+    </p:extLst>
+  </p:cSld>
+  <p:clrMapOvr>
+    <a:masterClrMapping/>
+  </p:clrMapOvr>
 </p:sld>
 </file>
 
